--- a/documents/MongoDB - Team Demo - Architecture.pptx
+++ b/documents/MongoDB - Team Demo - Architecture.pptx
@@ -247,7 +247,7 @@
           <a:p>
             <a:fld id="{A3A2CBFD-8094-4A10-A685-37FA62006A28}" type="datetimeFigureOut">
               <a:rPr lang="en-US" smtClean="0"/>
-              <a:t>4/15/2016</a:t>
+              <a:t>4/16/2016</a:t>
             </a:fld>
             <a:endParaRPr lang="en-US"/>
           </a:p>
@@ -415,7 +415,7 @@
           <a:p>
             <a:fld id="{A3A2CBFD-8094-4A10-A685-37FA62006A28}" type="datetimeFigureOut">
               <a:rPr lang="en-US" smtClean="0"/>
-              <a:t>4/15/2016</a:t>
+              <a:t>4/16/2016</a:t>
             </a:fld>
             <a:endParaRPr lang="en-US"/>
           </a:p>
@@ -593,7 +593,7 @@
           <a:p>
             <a:fld id="{A3A2CBFD-8094-4A10-A685-37FA62006A28}" type="datetimeFigureOut">
               <a:rPr lang="en-US" smtClean="0"/>
-              <a:t>4/15/2016</a:t>
+              <a:t>4/16/2016</a:t>
             </a:fld>
             <a:endParaRPr lang="en-US"/>
           </a:p>
@@ -761,7 +761,7 @@
           <a:p>
             <a:fld id="{A3A2CBFD-8094-4A10-A685-37FA62006A28}" type="datetimeFigureOut">
               <a:rPr lang="en-US" smtClean="0"/>
-              <a:t>4/15/2016</a:t>
+              <a:t>4/16/2016</a:t>
             </a:fld>
             <a:endParaRPr lang="en-US"/>
           </a:p>
@@ -1006,7 +1006,7 @@
           <a:p>
             <a:fld id="{A3A2CBFD-8094-4A10-A685-37FA62006A28}" type="datetimeFigureOut">
               <a:rPr lang="en-US" smtClean="0"/>
-              <a:t>4/15/2016</a:t>
+              <a:t>4/16/2016</a:t>
             </a:fld>
             <a:endParaRPr lang="en-US"/>
           </a:p>
@@ -1235,7 +1235,7 @@
           <a:p>
             <a:fld id="{A3A2CBFD-8094-4A10-A685-37FA62006A28}" type="datetimeFigureOut">
               <a:rPr lang="en-US" smtClean="0"/>
-              <a:t>4/15/2016</a:t>
+              <a:t>4/16/2016</a:t>
             </a:fld>
             <a:endParaRPr lang="en-US"/>
           </a:p>
@@ -1599,7 +1599,7 @@
           <a:p>
             <a:fld id="{A3A2CBFD-8094-4A10-A685-37FA62006A28}" type="datetimeFigureOut">
               <a:rPr lang="en-US" smtClean="0"/>
-              <a:t>4/15/2016</a:t>
+              <a:t>4/16/2016</a:t>
             </a:fld>
             <a:endParaRPr lang="en-US"/>
           </a:p>
@@ -1716,7 +1716,7 @@
           <a:p>
             <a:fld id="{A3A2CBFD-8094-4A10-A685-37FA62006A28}" type="datetimeFigureOut">
               <a:rPr lang="en-US" smtClean="0"/>
-              <a:t>4/15/2016</a:t>
+              <a:t>4/16/2016</a:t>
             </a:fld>
             <a:endParaRPr lang="en-US"/>
           </a:p>
@@ -1811,7 +1811,7 @@
           <a:p>
             <a:fld id="{A3A2CBFD-8094-4A10-A685-37FA62006A28}" type="datetimeFigureOut">
               <a:rPr lang="en-US" smtClean="0"/>
-              <a:t>4/15/2016</a:t>
+              <a:t>4/16/2016</a:t>
             </a:fld>
             <a:endParaRPr lang="en-US"/>
           </a:p>
@@ -2086,7 +2086,7 @@
           <a:p>
             <a:fld id="{A3A2CBFD-8094-4A10-A685-37FA62006A28}" type="datetimeFigureOut">
               <a:rPr lang="en-US" smtClean="0"/>
-              <a:t>4/15/2016</a:t>
+              <a:t>4/16/2016</a:t>
             </a:fld>
             <a:endParaRPr lang="en-US"/>
           </a:p>
@@ -2338,7 +2338,7 @@
           <a:p>
             <a:fld id="{A3A2CBFD-8094-4A10-A685-37FA62006A28}" type="datetimeFigureOut">
               <a:rPr lang="en-US" smtClean="0"/>
-              <a:t>4/15/2016</a:t>
+              <a:t>4/16/2016</a:t>
             </a:fld>
             <a:endParaRPr lang="en-US"/>
           </a:p>
@@ -2549,7 +2549,7 @@
           <a:p>
             <a:fld id="{A3A2CBFD-8094-4A10-A685-37FA62006A28}" type="datetimeFigureOut">
               <a:rPr lang="en-US" smtClean="0"/>
-              <a:t>4/15/2016</a:t>
+              <a:t>4/16/2016</a:t>
             </a:fld>
             <a:endParaRPr lang="en-US"/>
           </a:p>
@@ -3354,11 +3354,11 @@
   <p:clrMapOvr>
     <a:masterClrMapping/>
   </p:clrMapOvr>
-  <mc:AlternateContent xmlns:mc="http://schemas.openxmlformats.org/markup-compatibility/2006">
-    <mc:Choice xmlns:p14="http://schemas.microsoft.com/office/powerpoint/2010/main" Requires="p14">
+  <mc:AlternateContent xmlns:mc="http://schemas.openxmlformats.org/markup-compatibility/2006" xmlns:p14="http://schemas.microsoft.com/office/powerpoint/2010/main">
+    <mc:Choice Requires="p14">
       <p:transition spd="slow" p14:dur="2000" advTm="23443"/>
     </mc:Choice>
-    <mc:Fallback>
+    <mc:Fallback xmlns="">
       <p:transition spd="slow" advTm="23443"/>
     </mc:Fallback>
   </mc:AlternateContent>
@@ -3723,11 +3723,11 @@
   <p:clrMapOvr>
     <a:masterClrMapping/>
   </p:clrMapOvr>
-  <mc:AlternateContent xmlns:mc="http://schemas.openxmlformats.org/markup-compatibility/2006">
-    <mc:Choice xmlns:p14="http://schemas.microsoft.com/office/powerpoint/2010/main" Requires="p14">
+  <mc:AlternateContent xmlns:mc="http://schemas.openxmlformats.org/markup-compatibility/2006" xmlns:p14="http://schemas.microsoft.com/office/powerpoint/2010/main">
+    <mc:Choice Requires="p14">
       <p:transition spd="slow" p14:dur="2000" advTm="37786"/>
     </mc:Choice>
-    <mc:Fallback>
+    <mc:Fallback xmlns="">
       <p:transition spd="slow" advTm="37786"/>
     </mc:Fallback>
   </mc:AlternateContent>
@@ -3912,11 +3912,11 @@
   <p:clrMapOvr>
     <a:masterClrMapping/>
   </p:clrMapOvr>
-  <mc:AlternateContent xmlns:mc="http://schemas.openxmlformats.org/markup-compatibility/2006">
-    <mc:Choice xmlns:p14="http://schemas.microsoft.com/office/powerpoint/2010/main" Requires="p14">
+  <mc:AlternateContent xmlns:mc="http://schemas.openxmlformats.org/markup-compatibility/2006" xmlns:p14="http://schemas.microsoft.com/office/powerpoint/2010/main">
+    <mc:Choice Requires="p14">
       <p:transition spd="slow" p14:dur="2000" advTm="22750"/>
     </mc:Choice>
-    <mc:Fallback>
+    <mc:Fallback xmlns="">
       <p:transition spd="slow" advTm="22750"/>
     </mc:Fallback>
   </mc:AlternateContent>
@@ -4166,11 +4166,11 @@
   <p:clrMapOvr>
     <a:masterClrMapping/>
   </p:clrMapOvr>
-  <mc:AlternateContent xmlns:mc="http://schemas.openxmlformats.org/markup-compatibility/2006">
-    <mc:Choice xmlns:p14="http://schemas.microsoft.com/office/powerpoint/2010/main" Requires="p14">
+  <mc:AlternateContent xmlns:mc="http://schemas.openxmlformats.org/markup-compatibility/2006" xmlns:p14="http://schemas.microsoft.com/office/powerpoint/2010/main">
+    <mc:Choice Requires="p14">
       <p:transition spd="slow" p14:dur="2000" advTm="25683"/>
     </mc:Choice>
-    <mc:Fallback>
+    <mc:Fallback xmlns="">
       <p:transition spd="slow" advTm="25683"/>
     </mc:Fallback>
   </mc:AlternateContent>
@@ -4372,11 +4372,11 @@
   <p:clrMapOvr>
     <a:masterClrMapping/>
   </p:clrMapOvr>
-  <mc:AlternateContent xmlns:mc="http://schemas.openxmlformats.org/markup-compatibility/2006">
-    <mc:Choice xmlns:p14="http://schemas.microsoft.com/office/powerpoint/2010/main" Requires="p14">
+  <mc:AlternateContent xmlns:mc="http://schemas.openxmlformats.org/markup-compatibility/2006" xmlns:p14="http://schemas.microsoft.com/office/powerpoint/2010/main">
+    <mc:Choice Requires="p14">
       <p:transition spd="slow" p14:dur="2000" advTm="21140"/>
     </mc:Choice>
-    <mc:Fallback>
+    <mc:Fallback xmlns="">
       <p:transition spd="slow" advTm="21140"/>
     </mc:Fallback>
   </mc:AlternateContent>
@@ -4578,11 +4578,11 @@
   <p:clrMapOvr>
     <a:masterClrMapping/>
   </p:clrMapOvr>
-  <mc:AlternateContent xmlns:mc="http://schemas.openxmlformats.org/markup-compatibility/2006">
-    <mc:Choice xmlns:p14="http://schemas.microsoft.com/office/powerpoint/2010/main" Requires="p14">
+  <mc:AlternateContent xmlns:mc="http://schemas.openxmlformats.org/markup-compatibility/2006" xmlns:p14="http://schemas.microsoft.com/office/powerpoint/2010/main">
+    <mc:Choice Requires="p14">
       <p:transition spd="slow" p14:dur="2000" advTm="17208"/>
     </mc:Choice>
-    <mc:Fallback>
+    <mc:Fallback xmlns="">
       <p:transition spd="slow" advTm="17208"/>
     </mc:Fallback>
   </mc:AlternateContent>
